--- a/PPT/1. React 시작 전에 알아야 할 JavaScript, TypeScript/11. interface.pptx
+++ b/PPT/1. React 시작 전에 알아야 할 JavaScript, TypeScript/11. interface.pptx
@@ -262,7 +262,7 @@
           <a:p>
             <a:fld id="{CEC120F3-4B9A-4317-8AC7-1AF83F276DCC}" type="datetimeFigureOut">
               <a:rPr lang="ko-KR" altLang="en-US" smtClean="0"/>
-              <a:t>2021-06-07</a:t>
+              <a:t>2021-06-12</a:t>
             </a:fld>
             <a:endParaRPr lang="ko-KR" altLang="en-US"/>
           </a:p>
@@ -460,7 +460,7 @@
           <a:p>
             <a:fld id="{CEC120F3-4B9A-4317-8AC7-1AF83F276DCC}" type="datetimeFigureOut">
               <a:rPr lang="ko-KR" altLang="en-US" smtClean="0"/>
-              <a:t>2021-06-07</a:t>
+              <a:t>2021-06-12</a:t>
             </a:fld>
             <a:endParaRPr lang="ko-KR" altLang="en-US"/>
           </a:p>
@@ -668,7 +668,7 @@
           <a:p>
             <a:fld id="{CEC120F3-4B9A-4317-8AC7-1AF83F276DCC}" type="datetimeFigureOut">
               <a:rPr lang="ko-KR" altLang="en-US" smtClean="0"/>
-              <a:t>2021-06-07</a:t>
+              <a:t>2021-06-12</a:t>
             </a:fld>
             <a:endParaRPr lang="ko-KR" altLang="en-US"/>
           </a:p>
@@ -866,7 +866,7 @@
           <a:p>
             <a:fld id="{CEC120F3-4B9A-4317-8AC7-1AF83F276DCC}" type="datetimeFigureOut">
               <a:rPr lang="ko-KR" altLang="en-US" smtClean="0"/>
-              <a:t>2021-06-07</a:t>
+              <a:t>2021-06-12</a:t>
             </a:fld>
             <a:endParaRPr lang="ko-KR" altLang="en-US"/>
           </a:p>
@@ -1141,7 +1141,7 @@
           <a:p>
             <a:fld id="{CEC120F3-4B9A-4317-8AC7-1AF83F276DCC}" type="datetimeFigureOut">
               <a:rPr lang="ko-KR" altLang="en-US" smtClean="0"/>
-              <a:t>2021-06-07</a:t>
+              <a:t>2021-06-12</a:t>
             </a:fld>
             <a:endParaRPr lang="ko-KR" altLang="en-US"/>
           </a:p>
@@ -1406,7 +1406,7 @@
           <a:p>
             <a:fld id="{CEC120F3-4B9A-4317-8AC7-1AF83F276DCC}" type="datetimeFigureOut">
               <a:rPr lang="ko-KR" altLang="en-US" smtClean="0"/>
-              <a:t>2021-06-07</a:t>
+              <a:t>2021-06-12</a:t>
             </a:fld>
             <a:endParaRPr lang="ko-KR" altLang="en-US"/>
           </a:p>
@@ -1818,7 +1818,7 @@
           <a:p>
             <a:fld id="{CEC120F3-4B9A-4317-8AC7-1AF83F276DCC}" type="datetimeFigureOut">
               <a:rPr lang="ko-KR" altLang="en-US" smtClean="0"/>
-              <a:t>2021-06-07</a:t>
+              <a:t>2021-06-12</a:t>
             </a:fld>
             <a:endParaRPr lang="ko-KR" altLang="en-US"/>
           </a:p>
@@ -1959,7 +1959,7 @@
           <a:p>
             <a:fld id="{CEC120F3-4B9A-4317-8AC7-1AF83F276DCC}" type="datetimeFigureOut">
               <a:rPr lang="ko-KR" altLang="en-US" smtClean="0"/>
-              <a:t>2021-06-07</a:t>
+              <a:t>2021-06-12</a:t>
             </a:fld>
             <a:endParaRPr lang="ko-KR" altLang="en-US"/>
           </a:p>
@@ -2072,7 +2072,7 @@
           <a:p>
             <a:fld id="{CEC120F3-4B9A-4317-8AC7-1AF83F276DCC}" type="datetimeFigureOut">
               <a:rPr lang="ko-KR" altLang="en-US" smtClean="0"/>
-              <a:t>2021-06-07</a:t>
+              <a:t>2021-06-12</a:t>
             </a:fld>
             <a:endParaRPr lang="ko-KR" altLang="en-US"/>
           </a:p>
@@ -2383,7 +2383,7 @@
           <a:p>
             <a:fld id="{CEC120F3-4B9A-4317-8AC7-1AF83F276DCC}" type="datetimeFigureOut">
               <a:rPr lang="ko-KR" altLang="en-US" smtClean="0"/>
-              <a:t>2021-06-07</a:t>
+              <a:t>2021-06-12</a:t>
             </a:fld>
             <a:endParaRPr lang="ko-KR" altLang="en-US"/>
           </a:p>
@@ -2671,7 +2671,7 @@
           <a:p>
             <a:fld id="{CEC120F3-4B9A-4317-8AC7-1AF83F276DCC}" type="datetimeFigureOut">
               <a:rPr lang="ko-KR" altLang="en-US" smtClean="0"/>
-              <a:t>2021-06-07</a:t>
+              <a:t>2021-06-12</a:t>
             </a:fld>
             <a:endParaRPr lang="ko-KR" altLang="en-US"/>
           </a:p>
@@ -2912,7 +2912,7 @@
           <a:p>
             <a:fld id="{CEC120F3-4B9A-4317-8AC7-1AF83F276DCC}" type="datetimeFigureOut">
               <a:rPr lang="ko-KR" altLang="en-US" smtClean="0"/>
-              <a:t>2021-06-07</a:t>
+              <a:t>2021-06-12</a:t>
             </a:fld>
             <a:endParaRPr lang="ko-KR" altLang="en-US"/>
           </a:p>
@@ -4257,7 +4257,7 @@
           <a:p>
             <a:r>
               <a:rPr lang="ko-KR" altLang="en-US" sz="2700"/>
-              <a:t>함수의 인자로 객체를 쓸때는</a:t>
+              <a:t>함수의 파라미터로 객체나 객체 안의 함수 프로퍼티가 들어갈 경우</a:t>
             </a:r>
             <a:r>
               <a:rPr lang="en-US" altLang="ko-KR" sz="2700"/>
@@ -4265,7 +4265,7 @@
             </a:r>
             <a:r>
               <a:rPr lang="ko-KR" altLang="en-US" sz="2700"/>
-              <a:t>반드시 객체를 </a:t>
+              <a:t>반드시 </a:t>
             </a:r>
             <a:r>
               <a:rPr lang="en-US" altLang="ko-KR" sz="2700"/>
